--- a/images/experiments/LINT.pptx
+++ b/images/experiments/LINT.pptx
@@ -172,7 +172,7 @@
                   <c:v>Gleichheit</c:v>
                 </c:pt>
                 <c:pt idx="1">
-                  <c:v>Schitt</c:v>
+                  <c:v>Schnitt</c:v>
                 </c:pt>
                 <c:pt idx="2">
                   <c:v>Untermenge</c:v>
@@ -229,7 +229,7 @@
                   <c:v>Gleichheit</c:v>
                 </c:pt>
                 <c:pt idx="1">
-                  <c:v>Schitt</c:v>
+                  <c:v>Schnitt</c:v>
                 </c:pt>
                 <c:pt idx="2">
                   <c:v>Untermenge</c:v>
@@ -286,7 +286,7 @@
                   <c:v>Gleichheit</c:v>
                 </c:pt>
                 <c:pt idx="1">
-                  <c:v>Schitt</c:v>
+                  <c:v>Schnitt</c:v>
                 </c:pt>
                 <c:pt idx="2">
                   <c:v>Untermenge</c:v>
@@ -348,7 +348,7 @@
                   <c:v>Gleichheit</c:v>
                 </c:pt>
                 <c:pt idx="1">
-                  <c:v>Schitt</c:v>
+                  <c:v>Schnitt</c:v>
                 </c:pt>
                 <c:pt idx="2">
                   <c:v>Untermenge</c:v>
@@ -410,7 +410,7 @@
                   <c:v>Gleichheit</c:v>
                 </c:pt>
                 <c:pt idx="1">
-                  <c:v>Schitt</c:v>
+                  <c:v>Schnitt</c:v>
                 </c:pt>
                 <c:pt idx="2">
                   <c:v>Untermenge</c:v>
@@ -472,7 +472,7 @@
                   <c:v>Gleichheit</c:v>
                 </c:pt>
                 <c:pt idx="1">
-                  <c:v>Schitt</c:v>
+                  <c:v>Schnitt</c:v>
                 </c:pt>
                 <c:pt idx="2">
                   <c:v>Untermenge</c:v>
@@ -536,7 +536,7 @@
                   <c:v>Gleichheit</c:v>
                 </c:pt>
                 <c:pt idx="1">
-                  <c:v>Schitt</c:v>
+                  <c:v>Schnitt</c:v>
                 </c:pt>
                 <c:pt idx="2">
                   <c:v>Untermenge</c:v>
@@ -579,11 +579,11 @@
         </c:dLbls>
         <c:gapWidth val="150"/>
         <c:overlap val="100"/>
-        <c:axId val="-2122479144"/>
-        <c:axId val="-2122656440"/>
+        <c:axId val="2090881384"/>
+        <c:axId val="2093096152"/>
       </c:barChart>
       <c:catAx>
-        <c:axId val="-2122479144"/>
+        <c:axId val="2090881384"/>
         <c:scaling>
           <c:orientation val="minMax"/>
         </c:scaling>
@@ -592,7 +592,7 @@
         <c:majorTickMark val="out"/>
         <c:minorTickMark val="none"/>
         <c:tickLblPos val="nextTo"/>
-        <c:crossAx val="-2122656440"/>
+        <c:crossAx val="2093096152"/>
         <c:crosses val="autoZero"/>
         <c:auto val="1"/>
         <c:lblAlgn val="ctr"/>
@@ -600,7 +600,7 @@
         <c:noMultiLvlLbl val="0"/>
       </c:catAx>
       <c:valAx>
-        <c:axId val="-2122656440"/>
+        <c:axId val="2093096152"/>
         <c:scaling>
           <c:orientation val="minMax"/>
         </c:scaling>
@@ -611,7 +611,7 @@
         <c:majorTickMark val="out"/>
         <c:minorTickMark val="none"/>
         <c:tickLblPos val="nextTo"/>
-        <c:crossAx val="-2122479144"/>
+        <c:crossAx val="2090881384"/>
         <c:crosses val="autoZero"/>
         <c:crossBetween val="between"/>
       </c:valAx>
@@ -817,7 +817,7 @@
           <a:p>
             <a:fld id="{A972536A-5780-CD44-AC5B-9A18C78526C7}" type="datetimeFigureOut">
               <a:rPr lang="de-DE" smtClean="0"/>
-              <a:t>15.10.15</a:t>
+              <a:t>27.10.15</a:t>
             </a:fld>
             <a:endParaRPr lang="de-DE"/>
           </a:p>
@@ -987,7 +987,7 @@
           <a:p>
             <a:fld id="{A972536A-5780-CD44-AC5B-9A18C78526C7}" type="datetimeFigureOut">
               <a:rPr lang="de-DE" smtClean="0"/>
-              <a:t>15.10.15</a:t>
+              <a:t>27.10.15</a:t>
             </a:fld>
             <a:endParaRPr lang="de-DE"/>
           </a:p>
@@ -1167,7 +1167,7 @@
           <a:p>
             <a:fld id="{A972536A-5780-CD44-AC5B-9A18C78526C7}" type="datetimeFigureOut">
               <a:rPr lang="de-DE" smtClean="0"/>
-              <a:t>15.10.15</a:t>
+              <a:t>27.10.15</a:t>
             </a:fld>
             <a:endParaRPr lang="de-DE"/>
           </a:p>
@@ -1337,7 +1337,7 @@
           <a:p>
             <a:fld id="{A972536A-5780-CD44-AC5B-9A18C78526C7}" type="datetimeFigureOut">
               <a:rPr lang="de-DE" smtClean="0"/>
-              <a:t>15.10.15</a:t>
+              <a:t>27.10.15</a:t>
             </a:fld>
             <a:endParaRPr lang="de-DE"/>
           </a:p>
@@ -1583,7 +1583,7 @@
           <a:p>
             <a:fld id="{A972536A-5780-CD44-AC5B-9A18C78526C7}" type="datetimeFigureOut">
               <a:rPr lang="de-DE" smtClean="0"/>
-              <a:t>15.10.15</a:t>
+              <a:t>27.10.15</a:t>
             </a:fld>
             <a:endParaRPr lang="de-DE"/>
           </a:p>
@@ -1871,7 +1871,7 @@
           <a:p>
             <a:fld id="{A972536A-5780-CD44-AC5B-9A18C78526C7}" type="datetimeFigureOut">
               <a:rPr lang="de-DE" smtClean="0"/>
-              <a:t>15.10.15</a:t>
+              <a:t>27.10.15</a:t>
             </a:fld>
             <a:endParaRPr lang="de-DE"/>
           </a:p>
@@ -2298,7 +2298,7 @@
           <a:p>
             <a:fld id="{A972536A-5780-CD44-AC5B-9A18C78526C7}" type="datetimeFigureOut">
               <a:rPr lang="de-DE" smtClean="0"/>
-              <a:t>15.10.15</a:t>
+              <a:t>27.10.15</a:t>
             </a:fld>
             <a:endParaRPr lang="de-DE"/>
           </a:p>
@@ -2416,7 +2416,7 @@
           <a:p>
             <a:fld id="{A972536A-5780-CD44-AC5B-9A18C78526C7}" type="datetimeFigureOut">
               <a:rPr lang="de-DE" smtClean="0"/>
-              <a:t>15.10.15</a:t>
+              <a:t>27.10.15</a:t>
             </a:fld>
             <a:endParaRPr lang="de-DE"/>
           </a:p>
@@ -2511,7 +2511,7 @@
           <a:p>
             <a:fld id="{A972536A-5780-CD44-AC5B-9A18C78526C7}" type="datetimeFigureOut">
               <a:rPr lang="de-DE" smtClean="0"/>
-              <a:t>15.10.15</a:t>
+              <a:t>27.10.15</a:t>
             </a:fld>
             <a:endParaRPr lang="de-DE"/>
           </a:p>
@@ -2788,7 +2788,7 @@
           <a:p>
             <a:fld id="{A972536A-5780-CD44-AC5B-9A18C78526C7}" type="datetimeFigureOut">
               <a:rPr lang="de-DE" smtClean="0"/>
-              <a:t>15.10.15</a:t>
+              <a:t>27.10.15</a:t>
             </a:fld>
             <a:endParaRPr lang="de-DE"/>
           </a:p>
@@ -3041,7 +3041,7 @@
           <a:p>
             <a:fld id="{A972536A-5780-CD44-AC5B-9A18C78526C7}" type="datetimeFigureOut">
               <a:rPr lang="de-DE" smtClean="0"/>
-              <a:t>15.10.15</a:t>
+              <a:t>27.10.15</a:t>
             </a:fld>
             <a:endParaRPr lang="de-DE"/>
           </a:p>
@@ -3254,7 +3254,7 @@
           <a:p>
             <a:fld id="{A972536A-5780-CD44-AC5B-9A18C78526C7}" type="datetimeFigureOut">
               <a:rPr lang="de-DE" smtClean="0"/>
-              <a:t>15.10.15</a:t>
+              <a:t>27.10.15</a:t>
             </a:fld>
             <a:endParaRPr lang="de-DE"/>
           </a:p>
@@ -3636,7 +3636,7 @@
           <p:nvPr>
             <p:extLst>
               <p:ext uri="{D42A27DB-BD31-4B8C-83A1-F6EECF244321}">
-                <p14:modId xmlns:p14="http://schemas.microsoft.com/office/powerpoint/2010/main" val="1699790281"/>
+                <p14:modId xmlns:p14="http://schemas.microsoft.com/office/powerpoint/2010/main" val="2901785751"/>
               </p:ext>
             </p:extLst>
           </p:nvPr>
